--- a/Week10/Week 10 Schedule.pptx
+++ b/Week10/Week 10 Schedule.pptx
@@ -5,8 +5,7 @@
     <p:sldMasterId id="2147483648" r:id="rId1"/>
   </p:sldMasterIdLst>
   <p:sldIdLst>
-    <p:sldId id="257" r:id="rId2"/>
-    <p:sldId id="258" r:id="rId3"/>
+    <p:sldId id="258" r:id="rId2"/>
   </p:sldIdLst>
   <p:sldSz cx="12192000" cy="6858000"/>
   <p:notesSz cx="6858000" cy="9144000"/>
@@ -3342,742 +3341,6 @@
           <p:nvPr>
             <p:extLst>
               <p:ext uri="{D42A27DB-BD31-4B8C-83A1-F6EECF244321}">
-                <p14:modId xmlns:p14="http://schemas.microsoft.com/office/powerpoint/2010/main" val="1952300209"/>
-              </p:ext>
-            </p:extLst>
-          </p:nvPr>
-        </p:nvGraphicFramePr>
-        <p:xfrm>
-          <a:off x="770758" y="274320"/>
-          <a:ext cx="10685517" cy="6492240"/>
-        </p:xfrm>
-        <a:graphic>
-          <a:graphicData uri="http://schemas.openxmlformats.org/drawingml/2006/table">
-            <a:tbl>
-              <a:tblPr firstRow="1" bandRow="1">
-                <a:tableStyleId>{5C22544A-7EE6-4342-B048-85BDC9FD1C3A}</a:tableStyleId>
-              </a:tblPr>
-              <a:tblGrid>
-                <a:gridCol w="2082517">
-                  <a:extLst>
-                    <a:ext uri="{9D8B030D-6E8A-4147-A177-3AD203B41FA5}">
-                      <a16:colId xmlns:a16="http://schemas.microsoft.com/office/drawing/2014/main" val="2862849453"/>
-                    </a:ext>
-                  </a:extLst>
-                </a:gridCol>
-                <a:gridCol w="5933491">
-                  <a:extLst>
-                    <a:ext uri="{9D8B030D-6E8A-4147-A177-3AD203B41FA5}">
-                      <a16:colId xmlns:a16="http://schemas.microsoft.com/office/drawing/2014/main" val="4168100943"/>
-                    </a:ext>
-                  </a:extLst>
-                </a:gridCol>
-                <a:gridCol w="2669509">
-                  <a:extLst>
-                    <a:ext uri="{9D8B030D-6E8A-4147-A177-3AD203B41FA5}">
-                      <a16:colId xmlns:a16="http://schemas.microsoft.com/office/drawing/2014/main" val="2828880651"/>
-                    </a:ext>
-                  </a:extLst>
-                </a:gridCol>
-              </a:tblGrid>
-              <a:tr h="370840">
-                <a:tc>
-                  <a:txBody>
-                    <a:bodyPr/>
-                    <a:lstStyle/>
-                    <a:p>
-                      <a:r>
-                        <a:rPr lang="en-US" sz="1200" dirty="0"/>
-                        <a:t>Tuesday</a:t>
-                      </a:r>
-                    </a:p>
-                  </a:txBody>
-                  <a:tcPr/>
-                </a:tc>
-                <a:tc>
-                  <a:txBody>
-                    <a:bodyPr/>
-                    <a:lstStyle/>
-                    <a:p>
-                      <a:pPr marL="0" indent="0">
-                        <a:buFont typeface="Arial" panose="020B0604020202020204" pitchFamily="34" charset="0"/>
-                        <a:buNone/>
-                      </a:pPr>
-                      <a:r>
-                        <a:rPr lang="en-US" sz="1200" b="1" dirty="0"/>
-                        <a:t>9:00 - 10:15</a:t>
-                      </a:r>
-                      <a:r>
-                        <a:rPr lang="en-US" sz="1200" dirty="0"/>
-                        <a:t> </a:t>
-                      </a:r>
-                    </a:p>
-                    <a:p>
-                      <a:pPr marL="285750" indent="-285750">
-                        <a:buFont typeface="Arial" panose="020B0604020202020204" pitchFamily="34" charset="0"/>
-                        <a:buChar char="•"/>
-                      </a:pPr>
-                      <a:r>
-                        <a:rPr lang="en-US" sz="1200" dirty="0"/>
-                        <a:t>Answer Questions</a:t>
-                      </a:r>
-                    </a:p>
-                    <a:p>
-                      <a:pPr marL="285750" indent="-285750">
-                        <a:buFont typeface="Arial" panose="020B0604020202020204" pitchFamily="34" charset="0"/>
-                        <a:buChar char="•"/>
-                      </a:pPr>
-                      <a:r>
-                        <a:rPr lang="en-US" sz="1200" dirty="0"/>
-                        <a:t>Review Machine Learning</a:t>
-                      </a:r>
-                    </a:p>
-                    <a:p>
-                      <a:pPr marL="285750" indent="-285750">
-                        <a:buFont typeface="Arial" panose="020B0604020202020204" pitchFamily="34" charset="0"/>
-                        <a:buChar char="•"/>
-                      </a:pPr>
-                      <a:r>
-                        <a:rPr lang="en-US" sz="1200" dirty="0"/>
-                        <a:t>Start Deep Learning</a:t>
-                      </a:r>
-                    </a:p>
-                    <a:p>
-                      <a:pPr marL="0" indent="0">
-                        <a:buFont typeface="Arial" panose="020B0604020202020204" pitchFamily="34" charset="0"/>
-                        <a:buNone/>
-                      </a:pPr>
-                      <a:r>
-                        <a:rPr lang="en-US" sz="1200" b="1" dirty="0"/>
-                        <a:t>10:15 - 10:30 -  Break </a:t>
-                      </a:r>
-                    </a:p>
-                    <a:p>
-                      <a:pPr marL="0" indent="0">
-                        <a:buFont typeface="Arial" panose="020B0604020202020204" pitchFamily="34" charset="0"/>
-                        <a:buNone/>
-                      </a:pPr>
-                      <a:r>
-                        <a:rPr lang="en-US" sz="1200" b="1" dirty="0"/>
-                        <a:t>10:30 - 11:45</a:t>
-                      </a:r>
-                    </a:p>
-                    <a:p>
-                      <a:pPr marL="285750" indent="-285750">
-                        <a:buFont typeface="Arial" panose="020B0604020202020204" pitchFamily="34" charset="0"/>
-                        <a:buChar char="•"/>
-                      </a:pPr>
-                      <a:r>
-                        <a:rPr lang="en-US" sz="1200" dirty="0"/>
-                        <a:t>Continue Deep Learning</a:t>
-                      </a:r>
-                    </a:p>
-                    <a:p>
-                      <a:pPr marL="285750" indent="-285750">
-                        <a:buFont typeface="Arial" panose="020B0604020202020204" pitchFamily="34" charset="0"/>
-                        <a:buChar char="•"/>
-                      </a:pPr>
-                      <a:r>
-                        <a:rPr lang="en-US" sz="1200" dirty="0"/>
-                        <a:t>Start Deep Learning for Computer Vision (CV)</a:t>
-                      </a:r>
-                    </a:p>
-                    <a:p>
-                      <a:pPr marL="0" marR="0" lvl="0" indent="0" algn="l" defTabSz="914400" rtl="0" eaLnBrk="1" fontAlgn="auto" latinLnBrk="0" hangingPunct="1">
-                        <a:lnSpc>
-                          <a:spcPct val="100000"/>
-                        </a:lnSpc>
-                        <a:spcBef>
-                          <a:spcPts val="0"/>
-                        </a:spcBef>
-                        <a:spcAft>
-                          <a:spcPts val="0"/>
-                        </a:spcAft>
-                        <a:buClrTx/>
-                        <a:buSzTx/>
-                        <a:buFont typeface="Arial" panose="020B0604020202020204" pitchFamily="34" charset="0"/>
-                        <a:buNone/>
-                        <a:tabLst/>
-                        <a:defRPr/>
-                      </a:pPr>
-                      <a:r>
-                        <a:rPr lang="en-US" sz="1200" b="1" dirty="0"/>
-                        <a:t>11:45 – 12:00 – Break </a:t>
-                      </a:r>
-                    </a:p>
-                    <a:p>
-                      <a:pPr marL="0" marR="0" lvl="0" indent="0" algn="l" defTabSz="914400" rtl="0" eaLnBrk="1" fontAlgn="auto" latinLnBrk="0" hangingPunct="1">
-                        <a:lnSpc>
-                          <a:spcPct val="100000"/>
-                        </a:lnSpc>
-                        <a:spcBef>
-                          <a:spcPts val="0"/>
-                        </a:spcBef>
-                        <a:spcAft>
-                          <a:spcPts val="0"/>
-                        </a:spcAft>
-                        <a:buClrTx/>
-                        <a:buSzTx/>
-                        <a:buFont typeface="Arial" panose="020B0604020202020204" pitchFamily="34" charset="0"/>
-                        <a:buNone/>
-                        <a:tabLst/>
-                        <a:defRPr/>
-                      </a:pPr>
-                      <a:r>
-                        <a:rPr lang="en-US" sz="1200" b="1" dirty="0"/>
-                        <a:t>12:00 – 12:30 </a:t>
-                      </a:r>
-                    </a:p>
-                    <a:p>
-                      <a:pPr marL="285750" marR="0" lvl="0" indent="-285750" algn="l" defTabSz="914400" rtl="0" eaLnBrk="1" fontAlgn="auto" latinLnBrk="0" hangingPunct="1">
-                        <a:lnSpc>
-                          <a:spcPct val="100000"/>
-                        </a:lnSpc>
-                        <a:spcBef>
-                          <a:spcPts val="0"/>
-                        </a:spcBef>
-                        <a:spcAft>
-                          <a:spcPts val="0"/>
-                        </a:spcAft>
-                        <a:buClrTx/>
-                        <a:buSzTx/>
-                        <a:buFont typeface="Arial" panose="020B0604020202020204" pitchFamily="34" charset="0"/>
-                        <a:buChar char="•"/>
-                        <a:tabLst/>
-                        <a:defRPr/>
-                      </a:pPr>
-                      <a:r>
-                        <a:rPr lang="en-US" sz="1200" dirty="0" err="1"/>
-                        <a:t>Colab</a:t>
-                      </a:r>
-                      <a:r>
-                        <a:rPr lang="en-US" sz="1200" dirty="0"/>
-                        <a:t> on Deep Learning (DNN)</a:t>
-                      </a:r>
-                    </a:p>
-                    <a:p>
-                      <a:pPr marL="285750" marR="0" lvl="0" indent="-285750" algn="l" defTabSz="914400" rtl="0" eaLnBrk="1" fontAlgn="auto" latinLnBrk="0" hangingPunct="1">
-                        <a:lnSpc>
-                          <a:spcPct val="100000"/>
-                        </a:lnSpc>
-                        <a:spcBef>
-                          <a:spcPts val="0"/>
-                        </a:spcBef>
-                        <a:spcAft>
-                          <a:spcPts val="0"/>
-                        </a:spcAft>
-                        <a:buClrTx/>
-                        <a:buSzTx/>
-                        <a:buFont typeface="Arial" panose="020B0604020202020204" pitchFamily="34" charset="0"/>
-                        <a:buChar char="•"/>
-                        <a:tabLst/>
-                        <a:defRPr/>
-                      </a:pPr>
-                      <a:r>
-                        <a:rPr lang="en-US" sz="1200" dirty="0"/>
-                        <a:t>Provide Assignment #1 (students should practice after class) </a:t>
-                      </a:r>
-                    </a:p>
-                  </a:txBody>
-                  <a:tcPr/>
-                </a:tc>
-                <a:tc>
-                  <a:txBody>
-                    <a:bodyPr/>
-                    <a:lstStyle/>
-                    <a:p>
-                      <a:r>
-                        <a:rPr lang="en-US" sz="1200" dirty="0"/>
-                        <a:t>NumPy (Numerical Analysis) </a:t>
-                      </a:r>
-                    </a:p>
-                    <a:p>
-                      <a:endParaRPr lang="en-US" sz="1200" dirty="0"/>
-                    </a:p>
-                  </a:txBody>
-                  <a:tcPr/>
-                </a:tc>
-                <a:extLst>
-                  <a:ext uri="{0D108BD9-81ED-4DB2-BD59-A6C34878D82A}">
-                    <a16:rowId xmlns:a16="http://schemas.microsoft.com/office/drawing/2014/main" val="1429222174"/>
-                  </a:ext>
-                </a:extLst>
-              </a:tr>
-              <a:tr h="370840">
-                <a:tc>
-                  <a:txBody>
-                    <a:bodyPr/>
-                    <a:lstStyle/>
-                    <a:p>
-                      <a:r>
-                        <a:rPr lang="en-US" sz="1200" dirty="0"/>
-                        <a:t>Wednesday</a:t>
-                      </a:r>
-                    </a:p>
-                  </a:txBody>
-                  <a:tcPr/>
-                </a:tc>
-                <a:tc>
-                  <a:txBody>
-                    <a:bodyPr/>
-                    <a:lstStyle/>
-                    <a:p>
-                      <a:pPr marL="0" indent="0">
-                        <a:buFont typeface="Arial" panose="020B0604020202020204" pitchFamily="34" charset="0"/>
-                        <a:buNone/>
-                      </a:pPr>
-                      <a:r>
-                        <a:rPr lang="en-US" sz="1200" b="1" dirty="0"/>
-                        <a:t>9:00 - 10:15</a:t>
-                      </a:r>
-                      <a:r>
-                        <a:rPr lang="en-US" sz="1200" dirty="0"/>
-                        <a:t> </a:t>
-                      </a:r>
-                    </a:p>
-                    <a:p>
-                      <a:pPr marL="285750" indent="-285750">
-                        <a:buFont typeface="Arial" panose="020B0604020202020204" pitchFamily="34" charset="0"/>
-                        <a:buChar char="•"/>
-                      </a:pPr>
-                      <a:r>
-                        <a:rPr lang="en-US" sz="1200" dirty="0"/>
-                        <a:t>Answer Questions</a:t>
-                      </a:r>
-                    </a:p>
-                    <a:p>
-                      <a:pPr marL="285750" indent="-285750">
-                        <a:buFont typeface="Arial" panose="020B0604020202020204" pitchFamily="34" charset="0"/>
-                        <a:buChar char="•"/>
-                      </a:pPr>
-                      <a:r>
-                        <a:rPr lang="en-US" sz="1200" dirty="0"/>
-                        <a:t>Review previous class </a:t>
-                      </a:r>
-                    </a:p>
-                    <a:p>
-                      <a:pPr marL="285750" indent="-285750">
-                        <a:buFont typeface="Arial" panose="020B0604020202020204" pitchFamily="34" charset="0"/>
-                        <a:buChar char="•"/>
-                      </a:pPr>
-                      <a:r>
-                        <a:rPr lang="en-US" sz="1200" dirty="0"/>
-                        <a:t>Solve assignment #1 (interactive session)</a:t>
-                      </a:r>
-                    </a:p>
-                    <a:p>
-                      <a:pPr marL="0" indent="0">
-                        <a:buFont typeface="Arial" panose="020B0604020202020204" pitchFamily="34" charset="0"/>
-                        <a:buNone/>
-                      </a:pPr>
-                      <a:r>
-                        <a:rPr lang="en-US" sz="1200" b="1" dirty="0"/>
-                        <a:t>10:15 - 10:30 – Break </a:t>
-                      </a:r>
-                    </a:p>
-                    <a:p>
-                      <a:pPr marL="0" indent="0">
-                        <a:buFont typeface="Arial" panose="020B0604020202020204" pitchFamily="34" charset="0"/>
-                        <a:buNone/>
-                      </a:pPr>
-                      <a:r>
-                        <a:rPr lang="en-US" sz="1200" b="1" dirty="0"/>
-                        <a:t>10:30 - 11:45</a:t>
-                      </a:r>
-                    </a:p>
-                    <a:p>
-                      <a:pPr marL="285750" indent="-285750">
-                        <a:buFont typeface="Arial" panose="020B0604020202020204" pitchFamily="34" charset="0"/>
-                        <a:buChar char="•"/>
-                      </a:pPr>
-                      <a:r>
-                        <a:rPr lang="en-US" sz="1200" dirty="0"/>
-                        <a:t>Continue Deep Learning for Computer Vision (CV) (introduce state-of-the-art models)</a:t>
-                      </a:r>
-                    </a:p>
-                    <a:p>
-                      <a:pPr marL="0" marR="0" lvl="0" indent="0" algn="l" defTabSz="914400" rtl="0" eaLnBrk="1" fontAlgn="auto" latinLnBrk="0" hangingPunct="1">
-                        <a:lnSpc>
-                          <a:spcPct val="100000"/>
-                        </a:lnSpc>
-                        <a:spcBef>
-                          <a:spcPts val="0"/>
-                        </a:spcBef>
-                        <a:spcAft>
-                          <a:spcPts val="0"/>
-                        </a:spcAft>
-                        <a:buClrTx/>
-                        <a:buSzTx/>
-                        <a:buFont typeface="Arial" panose="020B0604020202020204" pitchFamily="34" charset="0"/>
-                        <a:buNone/>
-                        <a:tabLst/>
-                        <a:defRPr/>
-                      </a:pPr>
-                      <a:r>
-                        <a:rPr lang="en-US" sz="1200" b="1" dirty="0"/>
-                        <a:t>11:45 – 12:00 – Break </a:t>
-                      </a:r>
-                    </a:p>
-                    <a:p>
-                      <a:pPr marL="0" marR="0" lvl="0" indent="0" algn="l" defTabSz="914400" rtl="0" eaLnBrk="1" fontAlgn="auto" latinLnBrk="0" hangingPunct="1">
-                        <a:lnSpc>
-                          <a:spcPct val="100000"/>
-                        </a:lnSpc>
-                        <a:spcBef>
-                          <a:spcPts val="0"/>
-                        </a:spcBef>
-                        <a:spcAft>
-                          <a:spcPts val="0"/>
-                        </a:spcAft>
-                        <a:buClrTx/>
-                        <a:buSzTx/>
-                        <a:buFont typeface="Arial" panose="020B0604020202020204" pitchFamily="34" charset="0"/>
-                        <a:buNone/>
-                        <a:tabLst/>
-                        <a:defRPr/>
-                      </a:pPr>
-                      <a:r>
-                        <a:rPr lang="en-US" sz="1200" b="1" dirty="0"/>
-                        <a:t>12:00 – 12:30 </a:t>
-                      </a:r>
-                    </a:p>
-                    <a:p>
-                      <a:pPr marL="285750" marR="0" lvl="0" indent="-285750" algn="l" defTabSz="914400" rtl="0" eaLnBrk="1" fontAlgn="auto" latinLnBrk="0" hangingPunct="1">
-                        <a:lnSpc>
-                          <a:spcPct val="100000"/>
-                        </a:lnSpc>
-                        <a:spcBef>
-                          <a:spcPts val="0"/>
-                        </a:spcBef>
-                        <a:spcAft>
-                          <a:spcPts val="0"/>
-                        </a:spcAft>
-                        <a:buClrTx/>
-                        <a:buSzTx/>
-                        <a:buFont typeface="Arial" panose="020B0604020202020204" pitchFamily="34" charset="0"/>
-                        <a:buChar char="•"/>
-                        <a:tabLst/>
-                        <a:defRPr/>
-                      </a:pPr>
-                      <a:r>
-                        <a:rPr lang="en-US" sz="1200" dirty="0" err="1"/>
-                        <a:t>Colab</a:t>
-                      </a:r>
-                      <a:r>
-                        <a:rPr lang="en-US" sz="1200" dirty="0"/>
-                        <a:t> on Deep Learning for CV (CNN MNIST Classifier) </a:t>
-                      </a:r>
-                    </a:p>
-                    <a:p>
-                      <a:pPr marL="285750" marR="0" lvl="0" indent="-285750" algn="l" defTabSz="914400" rtl="0" eaLnBrk="1" fontAlgn="auto" latinLnBrk="0" hangingPunct="1">
-                        <a:lnSpc>
-                          <a:spcPct val="100000"/>
-                        </a:lnSpc>
-                        <a:spcBef>
-                          <a:spcPts val="0"/>
-                        </a:spcBef>
-                        <a:spcAft>
-                          <a:spcPts val="0"/>
-                        </a:spcAft>
-                        <a:buClrTx/>
-                        <a:buSzTx/>
-                        <a:buFont typeface="Arial" panose="020B0604020202020204" pitchFamily="34" charset="0"/>
-                        <a:buChar char="•"/>
-                        <a:tabLst/>
-                        <a:defRPr/>
-                      </a:pPr>
-                      <a:r>
-                        <a:rPr lang="en-US" sz="1200" dirty="0"/>
-                        <a:t>Provide Assignment #2 (students should practice after class) </a:t>
-                      </a:r>
-                    </a:p>
-                  </a:txBody>
-                  <a:tcPr/>
-                </a:tc>
-                <a:tc>
-                  <a:txBody>
-                    <a:bodyPr/>
-                    <a:lstStyle/>
-                    <a:p>
-                      <a:r>
-                        <a:rPr lang="en-US" sz="1200" dirty="0"/>
-                        <a:t>Panda (Data Import)</a:t>
-                      </a:r>
-                    </a:p>
-                    <a:p>
-                      <a:endParaRPr lang="en-US" sz="1200" dirty="0"/>
-                    </a:p>
-                  </a:txBody>
-                  <a:tcPr/>
-                </a:tc>
-                <a:extLst>
-                  <a:ext uri="{0D108BD9-81ED-4DB2-BD59-A6C34878D82A}">
-                    <a16:rowId xmlns:a16="http://schemas.microsoft.com/office/drawing/2014/main" val="1393168844"/>
-                  </a:ext>
-                </a:extLst>
-              </a:tr>
-              <a:tr h="370840">
-                <a:tc>
-                  <a:txBody>
-                    <a:bodyPr/>
-                    <a:lstStyle/>
-                    <a:p>
-                      <a:r>
-                        <a:rPr lang="en-US" sz="1200" dirty="0"/>
-                        <a:t>Thursday</a:t>
-                      </a:r>
-                    </a:p>
-                  </a:txBody>
-                  <a:tcPr/>
-                </a:tc>
-                <a:tc>
-                  <a:txBody>
-                    <a:bodyPr/>
-                    <a:lstStyle/>
-                    <a:p>
-                      <a:pPr marL="0" indent="0">
-                        <a:buFont typeface="Arial" panose="020B0604020202020204" pitchFamily="34" charset="0"/>
-                        <a:buNone/>
-                      </a:pPr>
-                      <a:r>
-                        <a:rPr lang="en-US" sz="1200" b="1" dirty="0"/>
-                        <a:t>9:00 - 10:15</a:t>
-                      </a:r>
-                      <a:r>
-                        <a:rPr lang="en-US" sz="1200" dirty="0"/>
-                        <a:t> </a:t>
-                      </a:r>
-                    </a:p>
-                    <a:p>
-                      <a:pPr marL="285750" indent="-285750">
-                        <a:buFont typeface="Arial" panose="020B0604020202020204" pitchFamily="34" charset="0"/>
-                        <a:buChar char="•"/>
-                      </a:pPr>
-                      <a:r>
-                        <a:rPr lang="en-US" sz="1200" dirty="0"/>
-                        <a:t>Answer Questions</a:t>
-                      </a:r>
-                    </a:p>
-                    <a:p>
-                      <a:pPr marL="285750" indent="-285750">
-                        <a:buFont typeface="Arial" panose="020B0604020202020204" pitchFamily="34" charset="0"/>
-                        <a:buChar char="•"/>
-                      </a:pPr>
-                      <a:r>
-                        <a:rPr lang="en-US" sz="1200" dirty="0"/>
-                        <a:t>Review previous class </a:t>
-                      </a:r>
-                    </a:p>
-                    <a:p>
-                      <a:pPr marL="285750" indent="-285750">
-                        <a:buFont typeface="Arial" panose="020B0604020202020204" pitchFamily="34" charset="0"/>
-                        <a:buChar char="•"/>
-                      </a:pPr>
-                      <a:r>
-                        <a:rPr lang="en-US" sz="1200" dirty="0"/>
-                        <a:t>Solve assignment #2 (interactive session)</a:t>
-                      </a:r>
-                    </a:p>
-                    <a:p>
-                      <a:pPr marL="0" indent="0">
-                        <a:buFont typeface="Arial" panose="020B0604020202020204" pitchFamily="34" charset="0"/>
-                        <a:buNone/>
-                      </a:pPr>
-                      <a:r>
-                        <a:rPr lang="en-US" sz="1200" b="1" dirty="0"/>
-                        <a:t>10:15 - 10:30 – Break </a:t>
-                      </a:r>
-                    </a:p>
-                    <a:p>
-                      <a:pPr marL="0" indent="0">
-                        <a:buFont typeface="Arial" panose="020B0604020202020204" pitchFamily="34" charset="0"/>
-                        <a:buNone/>
-                      </a:pPr>
-                      <a:r>
-                        <a:rPr lang="en-US" sz="1200" b="1" dirty="0"/>
-                        <a:t>10:30 - 11:45</a:t>
-                      </a:r>
-                    </a:p>
-                    <a:p>
-                      <a:pPr marL="285750" indent="-285750">
-                        <a:buFont typeface="Arial" panose="020B0604020202020204" pitchFamily="34" charset="0"/>
-                        <a:buChar char="•"/>
-                      </a:pPr>
-                      <a:r>
-                        <a:rPr lang="en-US" sz="1200" dirty="0"/>
-                        <a:t>Deep Learning for Natural Language Processing (NLP)</a:t>
-                      </a:r>
-                    </a:p>
-                    <a:p>
-                      <a:pPr marL="0" marR="0" lvl="0" indent="0" algn="l" defTabSz="914400" rtl="0" eaLnBrk="1" fontAlgn="auto" latinLnBrk="0" hangingPunct="1">
-                        <a:lnSpc>
-                          <a:spcPct val="100000"/>
-                        </a:lnSpc>
-                        <a:spcBef>
-                          <a:spcPts val="0"/>
-                        </a:spcBef>
-                        <a:spcAft>
-                          <a:spcPts val="0"/>
-                        </a:spcAft>
-                        <a:buClrTx/>
-                        <a:buSzTx/>
-                        <a:buFont typeface="Arial" panose="020B0604020202020204" pitchFamily="34" charset="0"/>
-                        <a:buNone/>
-                        <a:tabLst/>
-                        <a:defRPr/>
-                      </a:pPr>
-                      <a:r>
-                        <a:rPr lang="en-US" sz="1200" b="1" dirty="0"/>
-                        <a:t>11:45 – 12:00 – Break </a:t>
-                      </a:r>
-                    </a:p>
-                    <a:p>
-                      <a:pPr marL="0" marR="0" lvl="0" indent="0" algn="l" defTabSz="914400" rtl="0" eaLnBrk="1" fontAlgn="auto" latinLnBrk="0" hangingPunct="1">
-                        <a:lnSpc>
-                          <a:spcPct val="100000"/>
-                        </a:lnSpc>
-                        <a:spcBef>
-                          <a:spcPts val="0"/>
-                        </a:spcBef>
-                        <a:spcAft>
-                          <a:spcPts val="0"/>
-                        </a:spcAft>
-                        <a:buClrTx/>
-                        <a:buSzTx/>
-                        <a:buFont typeface="Arial" panose="020B0604020202020204" pitchFamily="34" charset="0"/>
-                        <a:buNone/>
-                        <a:tabLst/>
-                        <a:defRPr/>
-                      </a:pPr>
-                      <a:r>
-                        <a:rPr lang="en-US" sz="1200" b="1" dirty="0"/>
-                        <a:t>12:00 – 12:30 </a:t>
-                      </a:r>
-                    </a:p>
-                    <a:p>
-                      <a:pPr marL="285750" marR="0" lvl="0" indent="-285750" algn="l" defTabSz="914400" rtl="0" eaLnBrk="1" fontAlgn="auto" latinLnBrk="0" hangingPunct="1">
-                        <a:lnSpc>
-                          <a:spcPct val="100000"/>
-                        </a:lnSpc>
-                        <a:spcBef>
-                          <a:spcPts val="0"/>
-                        </a:spcBef>
-                        <a:spcAft>
-                          <a:spcPts val="0"/>
-                        </a:spcAft>
-                        <a:buClrTx/>
-                        <a:buSzTx/>
-                        <a:buFont typeface="Arial" panose="020B0604020202020204" pitchFamily="34" charset="0"/>
-                        <a:buChar char="•"/>
-                        <a:tabLst/>
-                        <a:defRPr/>
-                      </a:pPr>
-                      <a:r>
-                        <a:rPr lang="en-US" sz="1200" dirty="0" err="1"/>
-                        <a:t>Colab</a:t>
-                      </a:r>
-                      <a:r>
-                        <a:rPr lang="en-US" sz="1200" dirty="0"/>
-                        <a:t> on NLP (Sentiment Analysis </a:t>
-                      </a:r>
-                    </a:p>
-                    <a:p>
-                      <a:pPr marL="285750" marR="0" lvl="0" indent="-285750" algn="l" defTabSz="914400" rtl="0" eaLnBrk="1" fontAlgn="auto" latinLnBrk="0" hangingPunct="1">
-                        <a:lnSpc>
-                          <a:spcPct val="100000"/>
-                        </a:lnSpc>
-                        <a:spcBef>
-                          <a:spcPts val="0"/>
-                        </a:spcBef>
-                        <a:spcAft>
-                          <a:spcPts val="0"/>
-                        </a:spcAft>
-                        <a:buClrTx/>
-                        <a:buSzTx/>
-                        <a:buFont typeface="Arial" panose="020B0604020202020204" pitchFamily="34" charset="0"/>
-                        <a:buChar char="•"/>
-                        <a:tabLst/>
-                        <a:defRPr/>
-                      </a:pPr>
-                      <a:r>
-                        <a:rPr lang="en-US" sz="1200" dirty="0"/>
-                        <a:t>Provide Assignment #3 (students should practice after class) </a:t>
-                      </a:r>
-                    </a:p>
-                  </a:txBody>
-                  <a:tcPr/>
-                </a:tc>
-                <a:tc>
-                  <a:txBody>
-                    <a:bodyPr/>
-                    <a:lstStyle/>
-                    <a:p>
-                      <a:r>
-                        <a:rPr lang="en-US" sz="1200" dirty="0"/>
-                        <a:t>Data Manipulation and Visualization</a:t>
-                      </a:r>
-                    </a:p>
-                    <a:p>
-                      <a:endParaRPr lang="en-US" sz="1200" dirty="0"/>
-                    </a:p>
-                  </a:txBody>
-                  <a:tcPr/>
-                </a:tc>
-                <a:extLst>
-                  <a:ext uri="{0D108BD9-81ED-4DB2-BD59-A6C34878D82A}">
-                    <a16:rowId xmlns:a16="http://schemas.microsoft.com/office/drawing/2014/main" val="2186702231"/>
-                  </a:ext>
-                </a:extLst>
-              </a:tr>
-            </a:tbl>
-          </a:graphicData>
-        </a:graphic>
-      </p:graphicFrame>
-    </p:spTree>
-    <p:extLst>
-      <p:ext uri="{BB962C8B-B14F-4D97-AF65-F5344CB8AC3E}">
-        <p14:creationId xmlns:p14="http://schemas.microsoft.com/office/powerpoint/2010/main" val="553757043"/>
-      </p:ext>
-    </p:extLst>
-  </p:cSld>
-  <p:clrMapOvr>
-    <a:masterClrMapping/>
-  </p:clrMapOvr>
-</p:sld>
-</file>
-
-<file path=ppt/slides/slide2.xml><?xml version="1.0" encoding="utf-8"?>
-<p:sld xmlns:a="http://schemas.openxmlformats.org/drawingml/2006/main" xmlns:r="http://schemas.openxmlformats.org/officeDocument/2006/relationships" xmlns:p="http://schemas.openxmlformats.org/presentationml/2006/main">
-  <p:cSld>
-    <p:spTree>
-      <p:nvGrpSpPr>
-        <p:cNvPr id="1" name=""/>
-        <p:cNvGrpSpPr/>
-        <p:nvPr/>
-      </p:nvGrpSpPr>
-      <p:grpSpPr>
-        <a:xfrm>
-          <a:off x="0" y="0"/>
-          <a:ext cx="0" cy="0"/>
-          <a:chOff x="0" y="0"/>
-          <a:chExt cx="0" cy="0"/>
-        </a:xfrm>
-      </p:grpSpPr>
-      <p:graphicFrame>
-        <p:nvGraphicFramePr>
-          <p:cNvPr id="4" name="Table 4">
-            <a:extLst>
-              <a:ext uri="{FF2B5EF4-FFF2-40B4-BE49-F238E27FC236}">
-                <a16:creationId xmlns:a16="http://schemas.microsoft.com/office/drawing/2014/main" id="{3D8CAF26-1DBB-AE4B-8A5D-2E1A54388334}"/>
-              </a:ext>
-            </a:extLst>
-          </p:cNvPr>
-          <p:cNvGraphicFramePr>
-            <a:graphicFrameLocks noGrp="1"/>
-          </p:cNvGraphicFramePr>
-          <p:nvPr>
-            <p:extLst>
-              <p:ext uri="{D42A27DB-BD31-4B8C-83A1-F6EECF244321}">
                 <p14:modId xmlns:p14="http://schemas.microsoft.com/office/powerpoint/2010/main" val="539072091"/>
               </p:ext>
             </p:extLst>

--- a/Week10/Week 10 Schedule.pptx
+++ b/Week10/Week 10 Schedule.pptx
@@ -259,7 +259,7 @@
           <a:p>
             <a:fld id="{586A914B-9562-9E4C-B3DD-CE4D15F44194}" type="datetimeFigureOut">
               <a:rPr lang="en-US" smtClean="0"/>
-              <a:t>10/11/21</a:t>
+              <a:t>10/15/21</a:t>
             </a:fld>
             <a:endParaRPr lang="en-US"/>
           </a:p>
@@ -457,7 +457,7 @@
           <a:p>
             <a:fld id="{586A914B-9562-9E4C-B3DD-CE4D15F44194}" type="datetimeFigureOut">
               <a:rPr lang="en-US" smtClean="0"/>
-              <a:t>10/11/21</a:t>
+              <a:t>10/15/21</a:t>
             </a:fld>
             <a:endParaRPr lang="en-US"/>
           </a:p>
@@ -665,7 +665,7 @@
           <a:p>
             <a:fld id="{586A914B-9562-9E4C-B3DD-CE4D15F44194}" type="datetimeFigureOut">
               <a:rPr lang="en-US" smtClean="0"/>
-              <a:t>10/11/21</a:t>
+              <a:t>10/15/21</a:t>
             </a:fld>
             <a:endParaRPr lang="en-US"/>
           </a:p>
@@ -863,7 +863,7 @@
           <a:p>
             <a:fld id="{586A914B-9562-9E4C-B3DD-CE4D15F44194}" type="datetimeFigureOut">
               <a:rPr lang="en-US" smtClean="0"/>
-              <a:t>10/11/21</a:t>
+              <a:t>10/15/21</a:t>
             </a:fld>
             <a:endParaRPr lang="en-US"/>
           </a:p>
@@ -1138,7 +1138,7 @@
           <a:p>
             <a:fld id="{586A914B-9562-9E4C-B3DD-CE4D15F44194}" type="datetimeFigureOut">
               <a:rPr lang="en-US" smtClean="0"/>
-              <a:t>10/11/21</a:t>
+              <a:t>10/15/21</a:t>
             </a:fld>
             <a:endParaRPr lang="en-US"/>
           </a:p>
@@ -1403,7 +1403,7 @@
           <a:p>
             <a:fld id="{586A914B-9562-9E4C-B3DD-CE4D15F44194}" type="datetimeFigureOut">
               <a:rPr lang="en-US" smtClean="0"/>
-              <a:t>10/11/21</a:t>
+              <a:t>10/15/21</a:t>
             </a:fld>
             <a:endParaRPr lang="en-US"/>
           </a:p>
@@ -1815,7 +1815,7 @@
           <a:p>
             <a:fld id="{586A914B-9562-9E4C-B3DD-CE4D15F44194}" type="datetimeFigureOut">
               <a:rPr lang="en-US" smtClean="0"/>
-              <a:t>10/11/21</a:t>
+              <a:t>10/15/21</a:t>
             </a:fld>
             <a:endParaRPr lang="en-US"/>
           </a:p>
@@ -1956,7 +1956,7 @@
           <a:p>
             <a:fld id="{586A914B-9562-9E4C-B3DD-CE4D15F44194}" type="datetimeFigureOut">
               <a:rPr lang="en-US" smtClean="0"/>
-              <a:t>10/11/21</a:t>
+              <a:t>10/15/21</a:t>
             </a:fld>
             <a:endParaRPr lang="en-US"/>
           </a:p>
@@ -2069,7 +2069,7 @@
           <a:p>
             <a:fld id="{586A914B-9562-9E4C-B3DD-CE4D15F44194}" type="datetimeFigureOut">
               <a:rPr lang="en-US" smtClean="0"/>
-              <a:t>10/11/21</a:t>
+              <a:t>10/15/21</a:t>
             </a:fld>
             <a:endParaRPr lang="en-US"/>
           </a:p>
@@ -2380,7 +2380,7 @@
           <a:p>
             <a:fld id="{586A914B-9562-9E4C-B3DD-CE4D15F44194}" type="datetimeFigureOut">
               <a:rPr lang="en-US" smtClean="0"/>
-              <a:t>10/11/21</a:t>
+              <a:t>10/15/21</a:t>
             </a:fld>
             <a:endParaRPr lang="en-US"/>
           </a:p>
@@ -2668,7 +2668,7 @@
           <a:p>
             <a:fld id="{586A914B-9562-9E4C-B3DD-CE4D15F44194}" type="datetimeFigureOut">
               <a:rPr lang="en-US" smtClean="0"/>
-              <a:t>10/11/21</a:t>
+              <a:t>10/15/21</a:t>
             </a:fld>
             <a:endParaRPr lang="en-US"/>
           </a:p>
@@ -2909,7 +2909,7 @@
           <a:p>
             <a:fld id="{586A914B-9562-9E4C-B3DD-CE4D15F44194}" type="datetimeFigureOut">
               <a:rPr lang="en-US" smtClean="0"/>
-              <a:t>10/11/21</a:t>
+              <a:t>10/15/21</a:t>
             </a:fld>
             <a:endParaRPr lang="en-US"/>
           </a:p>
@@ -3341,14 +3341,14 @@
           <p:nvPr>
             <p:extLst>
               <p:ext uri="{D42A27DB-BD31-4B8C-83A1-F6EECF244321}">
-                <p14:modId xmlns:p14="http://schemas.microsoft.com/office/powerpoint/2010/main" val="539072091"/>
+                <p14:modId xmlns:p14="http://schemas.microsoft.com/office/powerpoint/2010/main" val="3998307302"/>
               </p:ext>
             </p:extLst>
           </p:nvPr>
         </p:nvGraphicFramePr>
         <p:xfrm>
           <a:off x="770758" y="274320"/>
-          <a:ext cx="10685517" cy="6309360"/>
+          <a:ext cx="10685517" cy="5943600"/>
         </p:xfrm>
         <a:graphic>
           <a:graphicData uri="http://schemas.openxmlformats.org/drawingml/2006/table">
@@ -3418,7 +3418,27 @@
                       </a:pPr>
                       <a:r>
                         <a:rPr lang="en-US" sz="1200" dirty="0"/>
-                        <a:t>Answer Questions</a:t>
+                        <a:t>Deep Learning Concepts</a:t>
+                      </a:r>
+                    </a:p>
+                    <a:p>
+                      <a:pPr marL="0" indent="0">
+                        <a:buFont typeface="Arial" panose="020B0604020202020204" pitchFamily="34" charset="0"/>
+                        <a:buNone/>
+                      </a:pPr>
+                      <a:r>
+                        <a:rPr lang="en-US" sz="1200" b="1" dirty="0"/>
+                        <a:t>10:15 - 10:30 -  Break </a:t>
+                      </a:r>
+                    </a:p>
+                    <a:p>
+                      <a:pPr marL="0" indent="0">
+                        <a:buFont typeface="Arial" panose="020B0604020202020204" pitchFamily="34" charset="0"/>
+                        <a:buNone/>
+                      </a:pPr>
+                      <a:r>
+                        <a:rPr lang="en-US" sz="1200" b="1" dirty="0"/>
+                        <a:t>10:30 - 11:45</a:t>
                       </a:r>
                     </a:p>
                     <a:p>
@@ -3428,48 +3448,13 @@
                       </a:pPr>
                       <a:r>
                         <a:rPr lang="en-US" sz="1200" dirty="0"/>
-                        <a:t>Review Machine Learning</a:t>
-                      </a:r>
-                    </a:p>
-                    <a:p>
-                      <a:pPr marL="285750" indent="-285750">
-                        <a:buFont typeface="Arial" panose="020B0604020202020204" pitchFamily="34" charset="0"/>
-                        <a:buChar char="•"/>
-                      </a:pPr>
-                      <a:r>
-                        <a:rPr lang="en-US" sz="1200" dirty="0"/>
-                        <a:t>Start Deep Learning</a:t>
-                      </a:r>
-                    </a:p>
-                    <a:p>
-                      <a:pPr marL="0" indent="0">
-                        <a:buFont typeface="Arial" panose="020B0604020202020204" pitchFamily="34" charset="0"/>
-                        <a:buNone/>
-                      </a:pPr>
-                      <a:r>
-                        <a:rPr lang="en-US" sz="1200" b="1" dirty="0"/>
-                        <a:t>10:15 - 10:30 -  Break </a:t>
-                      </a:r>
-                    </a:p>
-                    <a:p>
-                      <a:pPr marL="0" indent="0">
-                        <a:buFont typeface="Arial" panose="020B0604020202020204" pitchFamily="34" charset="0"/>
-                        <a:buNone/>
-                      </a:pPr>
-                      <a:r>
-                        <a:rPr lang="en-US" sz="1200" b="1" dirty="0"/>
-                        <a:t>10:30 - 11:45</a:t>
-                      </a:r>
-                    </a:p>
-                    <a:p>
-                      <a:pPr marL="285750" indent="-285750">
-                        <a:buFont typeface="Arial" panose="020B0604020202020204" pitchFamily="34" charset="0"/>
-                        <a:buChar char="•"/>
-                      </a:pPr>
-                      <a:r>
-                        <a:rPr lang="en-US" sz="1200" dirty="0"/>
-                        <a:t>Continue Deep Learning</a:t>
-                      </a:r>
+                        <a:t>Introduction to </a:t>
+                      </a:r>
+                      <a:r>
+                        <a:rPr lang="en-US" sz="1200" dirty="0" err="1"/>
+                        <a:t>Tensorflow</a:t>
+                      </a:r>
+                      <a:endParaRPr lang="en-US" sz="1200" dirty="0"/>
                     </a:p>
                     <a:p>
                       <a:pPr marL="0" marR="0" lvl="0" indent="0" algn="l" defTabSz="914400" rtl="0" eaLnBrk="1" fontAlgn="auto" latinLnBrk="0" hangingPunct="1">
@@ -3681,7 +3666,7 @@
                       </a:pPr>
                       <a:r>
                         <a:rPr lang="en-US" sz="1200" dirty="0"/>
-                        <a:t>Deep Learning for Computer Vision (CV)</a:t>
+                        <a:t>Convolutional Neural Network (CNNs)</a:t>
                       </a:r>
                     </a:p>
                     <a:p>
@@ -3754,7 +3739,7 @@
                       </a:r>
                       <a:r>
                         <a:rPr lang="en-US" sz="1200" dirty="0"/>
-                        <a:t> on Deep Learning for CV (CNN Fashion MNIST Classifier) </a:t>
+                        <a:t> on CNN (Fashion MNIST Classifier) </a:t>
                       </a:r>
                     </a:p>
                     <a:p>
@@ -3891,7 +3876,7 @@
                       </a:pPr>
                       <a:r>
                         <a:rPr lang="en-US" sz="1200" dirty="0"/>
-                        <a:t>Continue Deep Learning for Computer Vision (CV) (introduce state-of-the-art models)</a:t>
+                        <a:t>Transfer Learning and Pre-trained models</a:t>
                       </a:r>
                     </a:p>
                     <a:p>
@@ -3964,7 +3949,15 @@
                       </a:r>
                       <a:r>
                         <a:rPr lang="en-US" sz="1200" dirty="0"/>
-                        <a:t> on Deep Learning for CV (CNN CIFAR Classifier or Cat/Dog Classifier) </a:t>
+                        <a:t> </a:t>
+                      </a:r>
+                      <a:r>
+                        <a:rPr lang="en-US" sz="1200"/>
+                        <a:t>on Transfer Learning (</a:t>
+                      </a:r>
+                      <a:r>
+                        <a:rPr lang="en-US" sz="1200" dirty="0"/>
+                        <a:t>CNN CIFAR Classifier) </a:t>
                       </a:r>
                     </a:p>
                     <a:p>
